--- a/book/Lec_14_Interaction-Oriented_Software_Architectures.pptx
+++ b/book/Lec_14_Interaction-Oriented_Software_Architectures.pptx
@@ -1050,12 +1050,12 @@
   <inkml:trace contextRef="#ctx0" brushRef="#br0">10511 785 15,'0'0'3,"0"-1"0,0 1 0,0 0-1,0 0 0,0 0 0,0 0-1,0 0 0,0 0 0,0 0 0,0 0 0,0 0-1,0 0 0,0 0 1,0 0-1,0 0 0,0 0 0,0 0 1,0 0 0,0-1-1,2-1 0,-2 2 0,0 0 0,0 0 0,0-1 0,0 2-1</inkml:trace>
   <inkml:trace contextRef="#ctx0" brushRef="#br0" timeOffset="1094">8387 1477 15</inkml:trace>
   <inkml:trace contextRef="#ctx0" brushRef="#br0" timeOffset="1700">11055 1178 19,'-2'0'3,"2"0"0,0 0 0,0 0-1,0 0 0,0 0 0,0 0 0,0 0 0,0 0-1,0 0 1,0 0-1,0 0 0,0 0 0,0 0 0,0 0-1,0 0 0,0 0 0,0 0-1,0 0 0</inkml:trace>
-  <inkml:trace contextRef="#ctx0" brushRef="#br0" timeOffset="-132583.74">46 0 13,'0'0'3,"0"0"-1,0 0 0</inkml:trace>
-  <inkml:trace contextRef="#ctx0" brushRef="#br0" timeOffset="-132443.74">48 0 14</inkml:trace>
-  <inkml:trace contextRef="#ctx0" brushRef="#br0" timeOffset="-132411.74">46 2 14,'0'0'2,"0"0"0,0 0 0,0 0 0</inkml:trace>
-  <inkml:trace contextRef="#ctx0" brushRef="#br0" timeOffset="-132349.74">46 3 14,'0'0'2</inkml:trace>
-  <inkml:trace contextRef="#ctx0" brushRef="#br0" timeOffset="-132349.74">46 8 15,'0'0'2,"0"0"0,-2 1 0,2 2 0,-2 1-1</inkml:trace>
-  <inkml:trace contextRef="#ctx0" brushRef="#br0" timeOffset="-132302.74">0 126 13</inkml:trace>
+  <inkml:trace contextRef="#ctx0" brushRef="#br0" timeOffset="-132583.75">46 0 13,'0'0'3,"0"0"-1,0 0 0</inkml:trace>
+  <inkml:trace contextRef="#ctx0" brushRef="#br0" timeOffset="-132443.75">48 0 14</inkml:trace>
+  <inkml:trace contextRef="#ctx0" brushRef="#br0" timeOffset="-132411.75">46 2 14,'0'0'2,"0"0"0,0 0 0,0 0 0</inkml:trace>
+  <inkml:trace contextRef="#ctx0" brushRef="#br0" timeOffset="-132349.75">46 3 14,'0'0'2</inkml:trace>
+  <inkml:trace contextRef="#ctx0" brushRef="#br0" timeOffset="-132349.75">46 8 15,'0'0'2,"0"0"0,-2 1 0,2 2 0,-2 1-1</inkml:trace>
+  <inkml:trace contextRef="#ctx0" brushRef="#br0" timeOffset="-132302.75">0 126 13</inkml:trace>
 </inkml:ink>
 </file>
 
@@ -1205,7 +1205,7 @@
             <a:fld id="{9170D3D8-FE8C-4948-89FA-4A31366A4612}" type="datetimeFigureOut">
               <a:rPr lang="en-US" smtClean="0"/>
               <a:pPr/>
-              <a:t>11/3/2024</a:t>
+              <a:t>12/1/2025</a:t>
             </a:fld>
             <a:endParaRPr lang="en-US"/>
           </a:p>
@@ -1524,6 +1524,13 @@
             <a:schemeClr val="lt1"/>
           </a:fontRef>
         </p:style>
+        <p:txBody>
+          <a:bodyPr/>
+          <a:lstStyle/>
+          <a:p>
+            <a:endParaRPr lang="zh-CN" altLang="en-US"/>
+          </a:p>
+        </p:txBody>
       </p:sp>
       <p:sp>
         <p:nvSpPr>
@@ -1562,6 +1569,13 @@
             <a:schemeClr val="lt1"/>
           </a:fontRef>
         </p:style>
+        <p:txBody>
+          <a:bodyPr/>
+          <a:lstStyle/>
+          <a:p>
+            <a:endParaRPr lang="zh-CN" altLang="en-US"/>
+          </a:p>
+        </p:txBody>
       </p:sp>
       <p:sp>
         <p:nvSpPr>
@@ -1697,7 +1711,7 @@
             <a:fld id="{15674ED9-745F-4B40-A9C6-03AEE5B8ECEC}" type="datetimeFigureOut">
               <a:rPr lang="en-US" smtClean="0"/>
               <a:pPr/>
-              <a:t>11/3/2024</a:t>
+              <a:t>12/1/2025</a:t>
             </a:fld>
             <a:endParaRPr lang="en-US"/>
           </a:p>
@@ -1907,7 +1921,7 @@
             <a:fld id="{15674ED9-745F-4B40-A9C6-03AEE5B8ECEC}" type="datetimeFigureOut">
               <a:rPr lang="en-US" smtClean="0"/>
               <a:pPr/>
-              <a:t>11/3/2024</a:t>
+              <a:t>12/1/2025</a:t>
             </a:fld>
             <a:endParaRPr lang="en-US"/>
           </a:p>
@@ -2165,7 +2179,7 @@
             <a:fld id="{15674ED9-745F-4B40-A9C6-03AEE5B8ECEC}" type="datetimeFigureOut">
               <a:rPr lang="en-US" smtClean="0"/>
               <a:pPr/>
-              <a:t>11/3/2024</a:t>
+              <a:t>12/1/2025</a:t>
             </a:fld>
             <a:endParaRPr lang="en-US"/>
           </a:p>
@@ -2337,7 +2351,7 @@
             <a:fld id="{15674ED9-745F-4B40-A9C6-03AEE5B8ECEC}" type="datetimeFigureOut">
               <a:rPr lang="en-US" smtClean="0"/>
               <a:pPr/>
-              <a:t>11/3/2024</a:t>
+              <a:t>12/1/2025</a:t>
             </a:fld>
             <a:endParaRPr lang="en-US"/>
           </a:p>
@@ -2948,7 +2962,7 @@
             <a:fld id="{15674ED9-745F-4B40-A9C6-03AEE5B8ECEC}" type="datetimeFigureOut">
               <a:rPr lang="en-US" smtClean="0"/>
               <a:pPr/>
-              <a:t>11/3/2024</a:t>
+              <a:t>12/1/2025</a:t>
             </a:fld>
             <a:endParaRPr lang="en-US"/>
           </a:p>
@@ -3225,7 +3239,7 @@
             <a:fld id="{15674ED9-745F-4B40-A9C6-03AEE5B8ECEC}" type="datetimeFigureOut">
               <a:rPr lang="en-US" smtClean="0"/>
               <a:pPr/>
-              <a:t>11/3/2024</a:t>
+              <a:t>12/1/2025</a:t>
             </a:fld>
             <a:endParaRPr lang="en-US"/>
           </a:p>
@@ -3606,7 +3620,7 @@
             <a:fld id="{15674ED9-745F-4B40-A9C6-03AEE5B8ECEC}" type="datetimeFigureOut">
               <a:rPr lang="en-US" smtClean="0"/>
               <a:pPr/>
-              <a:t>11/3/2024</a:t>
+              <a:t>12/1/2025</a:t>
             </a:fld>
             <a:endParaRPr lang="en-US"/>
           </a:p>
@@ -3726,7 +3740,7 @@
             <a:fld id="{15674ED9-745F-4B40-A9C6-03AEE5B8ECEC}" type="datetimeFigureOut">
               <a:rPr lang="en-US" smtClean="0"/>
               <a:pPr/>
-              <a:t>11/3/2024</a:t>
+              <a:t>12/1/2025</a:t>
             </a:fld>
             <a:endParaRPr lang="en-US"/>
           </a:p>
@@ -3899,7 +3913,7 @@
             <a:fld id="{15674ED9-745F-4B40-A9C6-03AEE5B8ECEC}" type="datetimeFigureOut">
               <a:rPr lang="en-US" smtClean="0"/>
               <a:pPr/>
-              <a:t>11/3/2024</a:t>
+              <a:t>12/1/2025</a:t>
             </a:fld>
             <a:endParaRPr lang="en-US"/>
           </a:p>
@@ -4255,7 +4269,7 @@
             <a:fld id="{15674ED9-745F-4B40-A9C6-03AEE5B8ECEC}" type="datetimeFigureOut">
               <a:rPr lang="en-US" smtClean="0"/>
               <a:pPr/>
-              <a:t>11/3/2024</a:t>
+              <a:t>12/1/2025</a:t>
             </a:fld>
             <a:endParaRPr lang="en-US"/>
           </a:p>
@@ -4639,7 +4653,7 @@
             <a:fld id="{15674ED9-745F-4B40-A9C6-03AEE5B8ECEC}" type="datetimeFigureOut">
               <a:rPr lang="en-US" smtClean="0"/>
               <a:pPr/>
-              <a:t>11/3/2024</a:t>
+              <a:t>12/1/2025</a:t>
             </a:fld>
             <a:endParaRPr lang="en-US"/>
           </a:p>
@@ -4760,6 +4774,13 @@
             <a:schemeClr val="lt1"/>
           </a:fontRef>
         </p:style>
+        <p:txBody>
+          <a:bodyPr/>
+          <a:lstStyle/>
+          <a:p>
+            <a:endParaRPr lang="zh-CN" altLang="en-US"/>
+          </a:p>
+        </p:txBody>
       </p:sp>
       <p:sp>
         <p:nvSpPr>
@@ -4798,6 +4819,13 @@
             <a:schemeClr val="lt1"/>
           </a:fontRef>
         </p:style>
+        <p:txBody>
+          <a:bodyPr/>
+          <a:lstStyle/>
+          <a:p>
+            <a:endParaRPr lang="zh-CN" altLang="en-US"/>
+          </a:p>
+        </p:txBody>
       </p:sp>
       <p:sp>
         <p:nvSpPr>
@@ -4928,7 +4956,7 @@
             <a:fld id="{15674ED9-745F-4B40-A9C6-03AEE5B8ECEC}" type="datetimeFigureOut">
               <a:rPr lang="en-US" smtClean="0"/>
               <a:pPr/>
-              <a:t>11/3/2024</a:t>
+              <a:t>12/1/2025</a:t>
             </a:fld>
             <a:endParaRPr lang="en-US"/>
           </a:p>
